--- a/Drifter Follower.pptx
+++ b/Drifter Follower.pptx
@@ -11,6 +11,8 @@
     <p:sldId id="257" r:id="rId5"/>
     <p:sldId id="258" r:id="rId6"/>
     <p:sldId id="261" r:id="rId7"/>
+    <p:sldId id="263" r:id="rId8"/>
+    <p:sldId id="264" r:id="rId9"/>
   </p:sldIdLst>
   <p:sldSz cx="12192000" cy="6858000"/>
   <p:notesSz cx="6858000" cy="9144000"/>
@@ -266,7 +268,7 @@
           <a:p>
             <a:fld id="{0A51A183-A966-6D4F-A5BD-79CBF7AB6B18}" type="datetimeFigureOut">
               <a:rPr lang="es-US" smtClean="0"/>
-              <a:t>8/5/20</a:t>
+              <a:t>8/6/20</a:t>
             </a:fld>
             <a:endParaRPr lang="es-US"/>
           </a:p>
@@ -466,7 +468,7 @@
           <a:p>
             <a:fld id="{0A51A183-A966-6D4F-A5BD-79CBF7AB6B18}" type="datetimeFigureOut">
               <a:rPr lang="es-US" smtClean="0"/>
-              <a:t>8/5/20</a:t>
+              <a:t>8/6/20</a:t>
             </a:fld>
             <a:endParaRPr lang="es-US"/>
           </a:p>
@@ -676,7 +678,7 @@
           <a:p>
             <a:fld id="{0A51A183-A966-6D4F-A5BD-79CBF7AB6B18}" type="datetimeFigureOut">
               <a:rPr lang="es-US" smtClean="0"/>
-              <a:t>8/5/20</a:t>
+              <a:t>8/6/20</a:t>
             </a:fld>
             <a:endParaRPr lang="es-US"/>
           </a:p>
@@ -876,7 +878,7 @@
           <a:p>
             <a:fld id="{0A51A183-A966-6D4F-A5BD-79CBF7AB6B18}" type="datetimeFigureOut">
               <a:rPr lang="es-US" smtClean="0"/>
-              <a:t>8/5/20</a:t>
+              <a:t>8/6/20</a:t>
             </a:fld>
             <a:endParaRPr lang="es-US"/>
           </a:p>
@@ -1152,7 +1154,7 @@
           <a:p>
             <a:fld id="{0A51A183-A966-6D4F-A5BD-79CBF7AB6B18}" type="datetimeFigureOut">
               <a:rPr lang="es-US" smtClean="0"/>
-              <a:t>8/5/20</a:t>
+              <a:t>8/6/20</a:t>
             </a:fld>
             <a:endParaRPr lang="es-US"/>
           </a:p>
@@ -1420,7 +1422,7 @@
           <a:p>
             <a:fld id="{0A51A183-A966-6D4F-A5BD-79CBF7AB6B18}" type="datetimeFigureOut">
               <a:rPr lang="es-US" smtClean="0"/>
-              <a:t>8/5/20</a:t>
+              <a:t>8/6/20</a:t>
             </a:fld>
             <a:endParaRPr lang="es-US"/>
           </a:p>
@@ -1835,7 +1837,7 @@
           <a:p>
             <a:fld id="{0A51A183-A966-6D4F-A5BD-79CBF7AB6B18}" type="datetimeFigureOut">
               <a:rPr lang="es-US" smtClean="0"/>
-              <a:t>8/5/20</a:t>
+              <a:t>8/6/20</a:t>
             </a:fld>
             <a:endParaRPr lang="es-US"/>
           </a:p>
@@ -1977,7 +1979,7 @@
           <a:p>
             <a:fld id="{0A51A183-A966-6D4F-A5BD-79CBF7AB6B18}" type="datetimeFigureOut">
               <a:rPr lang="es-US" smtClean="0"/>
-              <a:t>8/5/20</a:t>
+              <a:t>8/6/20</a:t>
             </a:fld>
             <a:endParaRPr lang="es-US"/>
           </a:p>
@@ -2090,7 +2092,7 @@
           <a:p>
             <a:fld id="{0A51A183-A966-6D4F-A5BD-79CBF7AB6B18}" type="datetimeFigureOut">
               <a:rPr lang="es-US" smtClean="0"/>
-              <a:t>8/5/20</a:t>
+              <a:t>8/6/20</a:t>
             </a:fld>
             <a:endParaRPr lang="es-US"/>
           </a:p>
@@ -2403,7 +2405,7 @@
           <a:p>
             <a:fld id="{0A51A183-A966-6D4F-A5BD-79CBF7AB6B18}" type="datetimeFigureOut">
               <a:rPr lang="es-US" smtClean="0"/>
-              <a:t>8/5/20</a:t>
+              <a:t>8/6/20</a:t>
             </a:fld>
             <a:endParaRPr lang="es-US"/>
           </a:p>
@@ -2692,7 +2694,7 @@
           <a:p>
             <a:fld id="{0A51A183-A966-6D4F-A5BD-79CBF7AB6B18}" type="datetimeFigureOut">
               <a:rPr lang="es-US" smtClean="0"/>
-              <a:t>8/5/20</a:t>
+              <a:t>8/6/20</a:t>
             </a:fld>
             <a:endParaRPr lang="es-US"/>
           </a:p>
@@ -2935,7 +2937,7 @@
           <a:p>
             <a:fld id="{0A51A183-A966-6D4F-A5BD-79CBF7AB6B18}" type="datetimeFigureOut">
               <a:rPr lang="es-US" smtClean="0"/>
-              <a:t>8/5/20</a:t>
+              <a:t>8/6/20</a:t>
             </a:fld>
             <a:endParaRPr lang="es-US"/>
           </a:p>
@@ -5655,6 +5657,384 @@
 </p:sld>
 </file>
 
+<file path=ppt/slides/slide7.xml><?xml version="1.0" encoding="utf-8"?>
+<p:sld xmlns:a="http://schemas.openxmlformats.org/drawingml/2006/main" xmlns:r="http://schemas.openxmlformats.org/officeDocument/2006/relationships" xmlns:p="http://schemas.openxmlformats.org/presentationml/2006/main">
+  <p:cSld>
+    <p:spTree>
+      <p:nvGrpSpPr>
+        <p:cNvPr id="1" name=""/>
+        <p:cNvGrpSpPr/>
+        <p:nvPr/>
+      </p:nvGrpSpPr>
+      <p:grpSpPr>
+        <a:xfrm>
+          <a:off x="0" y="0"/>
+          <a:ext cx="0" cy="0"/>
+          <a:chOff x="0" y="0"/>
+          <a:chExt cx="0" cy="0"/>
+        </a:xfrm>
+      </p:grpSpPr>
+      <p:sp>
+        <p:nvSpPr>
+          <p:cNvPr id="2" name="Título 1">
+            <a:extLst>
+              <a:ext uri="{FF2B5EF4-FFF2-40B4-BE49-F238E27FC236}">
+                <a16:creationId xmlns:a16="http://schemas.microsoft.com/office/drawing/2014/main" id="{D9A6855F-FDF1-664B-968B-1F926243B131}"/>
+              </a:ext>
+            </a:extLst>
+          </p:cNvPr>
+          <p:cNvSpPr>
+            <a:spLocks noGrp="1"/>
+          </p:cNvSpPr>
+          <p:nvPr>
+            <p:ph type="title"/>
+          </p:nvPr>
+        </p:nvSpPr>
+        <p:spPr/>
+        <p:txBody>
+          <a:bodyPr/>
+          <a:lstStyle/>
+          <a:p>
+            <a:r>
+              <a:rPr lang="es-US" dirty="0"/>
+              <a:t>patterns.yaml</a:t>
+            </a:r>
+          </a:p>
+        </p:txBody>
+      </p:sp>
+      <p:sp>
+        <p:nvSpPr>
+          <p:cNvPr id="3" name="CuadroTexto 2">
+            <a:extLst>
+              <a:ext uri="{FF2B5EF4-FFF2-40B4-BE49-F238E27FC236}">
+                <a16:creationId xmlns:a16="http://schemas.microsoft.com/office/drawing/2014/main" id="{CCE4CE64-75F9-164A-94B0-980B72999868}"/>
+              </a:ext>
+            </a:extLst>
+          </p:cNvPr>
+          <p:cNvSpPr txBox="1"/>
+          <p:nvPr/>
+        </p:nvSpPr>
+        <p:spPr>
+          <a:xfrm>
+            <a:off x="931025" y="1690688"/>
+            <a:ext cx="10706793" cy="3693319"/>
+          </a:xfrm>
+          <a:prstGeom prst="rect">
+            <a:avLst/>
+          </a:prstGeom>
+          <a:noFill/>
+        </p:spPr>
+        <p:txBody>
+          <a:bodyPr wrap="square" rtlCol="0">
+            <a:spAutoFit/>
+          </a:bodyPr>
+          <a:lstStyle/>
+          <a:p>
+            <a:r>
+              <a:rPr lang="es-US" dirty="0"/>
+              <a:t>#</a:t>
+            </a:r>
+          </a:p>
+          <a:p>
+            <a:r>
+              <a:rPr lang="es-US" dirty="0"/>
+              <a:t># Patterns for flying a glider around a moving drifter</a:t>
+            </a:r>
+          </a:p>
+          <a:p>
+            <a:r>
+              <a:rPr lang="es-US" dirty="0"/>
+              <a:t>#</a:t>
+            </a:r>
+          </a:p>
+          <a:p>
+            <a:r>
+              <a:rPr lang="es-US" dirty="0"/>
+              <a:t>osu683:                         # Glider to work with</a:t>
+            </a:r>
+          </a:p>
+          <a:p>
+            <a:r>
+              <a:rPr lang="es-US" dirty="0"/>
+              <a:t>        IMEI: "300234068117290" # Which beacon to follow</a:t>
+            </a:r>
+          </a:p>
+          <a:p>
+            <a:r>
+              <a:rPr lang="es-US" dirty="0"/>
+              <a:t>        qRotate: False          # Rotate the pattern so the x/eastward is along drifter velocity</a:t>
+            </a:r>
+          </a:p>
+          <a:p>
+            <a:r>
+              <a:rPr lang="es-US" dirty="0"/>
+              <a:t>        norm: 707               # km to meters, 1000/root(2) so 1km on a side</a:t>
+            </a:r>
+          </a:p>
+          <a:p>
+            <a:r>
+              <a:rPr lang="es-US" dirty="0"/>
+              <a:t>        theta: 0                # rotate pattern by this many degrees northwards</a:t>
+            </a:r>
+          </a:p>
+          <a:p>
+            <a:r>
+              <a:rPr lang="es-US" dirty="0"/>
+              <a:t>        pattern:                # pattern in km with drifter at the center</a:t>
+            </a:r>
+          </a:p>
+          <a:p>
+            <a:r>
+              <a:rPr lang="es-US" dirty="0"/>
+              <a:t>        - [ 1, 0] # East, North</a:t>
+            </a:r>
+          </a:p>
+          <a:p>
+            <a:r>
+              <a:rPr lang="es-US" dirty="0"/>
+              <a:t>        - [-1, 0] # East, North</a:t>
+            </a:r>
+          </a:p>
+          <a:p>
+            <a:r>
+              <a:rPr lang="es-US" dirty="0"/>
+              <a:t>        - [ 0, 1] # East, North</a:t>
+            </a:r>
+          </a:p>
+          <a:p>
+            <a:r>
+              <a:rPr lang="es-US" dirty="0"/>
+              <a:t>        - [ 0,-1] # East, North</a:t>
+            </a:r>
+          </a:p>
+        </p:txBody>
+      </p:sp>
+    </p:spTree>
+    <p:extLst>
+      <p:ext uri="{BB962C8B-B14F-4D97-AF65-F5344CB8AC3E}">
+        <p14:creationId xmlns:p14="http://schemas.microsoft.com/office/powerpoint/2010/main" val="158237937"/>
+      </p:ext>
+    </p:extLst>
+  </p:cSld>
+  <p:clrMapOvr>
+    <a:masterClrMapping/>
+  </p:clrMapOvr>
+</p:sld>
+</file>
+
+<file path=ppt/slides/slide8.xml><?xml version="1.0" encoding="utf-8"?>
+<p:sld xmlns:a="http://schemas.openxmlformats.org/drawingml/2006/main" xmlns:r="http://schemas.openxmlformats.org/officeDocument/2006/relationships" xmlns:p="http://schemas.openxmlformats.org/presentationml/2006/main">
+  <p:cSld>
+    <p:spTree>
+      <p:nvGrpSpPr>
+        <p:cNvPr id="1" name=""/>
+        <p:cNvGrpSpPr/>
+        <p:nvPr/>
+      </p:nvGrpSpPr>
+      <p:grpSpPr>
+        <a:xfrm>
+          <a:off x="0" y="0"/>
+          <a:ext cx="0" cy="0"/>
+          <a:chOff x="0" y="0"/>
+          <a:chExt cx="0" cy="0"/>
+        </a:xfrm>
+      </p:grpSpPr>
+      <p:sp>
+        <p:nvSpPr>
+          <p:cNvPr id="3" name="CuadroTexto 2">
+            <a:extLst>
+              <a:ext uri="{FF2B5EF4-FFF2-40B4-BE49-F238E27FC236}">
+                <a16:creationId xmlns:a16="http://schemas.microsoft.com/office/drawing/2014/main" id="{236C0204-4D3E-E940-81EF-38E81B4BFF5F}"/>
+              </a:ext>
+            </a:extLst>
+          </p:cNvPr>
+          <p:cNvSpPr txBox="1"/>
+          <p:nvPr/>
+        </p:nvSpPr>
+        <p:spPr>
+          <a:xfrm>
+            <a:off x="241069" y="166255"/>
+            <a:ext cx="11829011" cy="6463308"/>
+          </a:xfrm>
+          <a:prstGeom prst="rect">
+            <a:avLst/>
+          </a:prstGeom>
+          <a:noFill/>
+        </p:spPr>
+        <p:txBody>
+          <a:bodyPr wrap="square" rtlCol="0">
+            <a:spAutoFit/>
+          </a:bodyPr>
+          <a:lstStyle/>
+          <a:p>
+            <a:pPr marL="285750" indent="-285750">
+              <a:buFont typeface="Arial" panose="020B0604020202020204" pitchFamily="34" charset="0"/>
+              <a:buChar char="•"/>
+            </a:pPr>
+            <a:r>
+              <a:rPr lang="es-US" dirty="0"/>
+              <a:t>One specifies the glider one wants to apply the pattern to, in this case osu683.</a:t>
+            </a:r>
+          </a:p>
+          <a:p>
+            <a:pPr marL="285750" indent="-285750">
+              <a:buFont typeface="Arial" panose="020B0604020202020204" pitchFamily="34" charset="0"/>
+              <a:buChar char="•"/>
+            </a:pPr>
+            <a:r>
+              <a:rPr lang="es-US" dirty="0"/>
+              <a:t>IMEI is the GPS beacon the glider will follow.</a:t>
+            </a:r>
+          </a:p>
+          <a:p>
+            <a:pPr marL="285750" indent="-285750">
+              <a:buFont typeface="Arial" panose="020B0604020202020204" pitchFamily="34" charset="0"/>
+              <a:buChar char="•"/>
+            </a:pPr>
+            <a:r>
+              <a:rPr lang="es-US" dirty="0"/>
+              <a:t>qRotate specifies if the pattern is rotated such that the x axis of the pattern is aligned with lines of latitude or along the drifter's velocity vector.</a:t>
+            </a:r>
+          </a:p>
+          <a:p>
+            <a:pPr marL="285750" indent="-285750">
+              <a:buFont typeface="Arial" panose="020B0604020202020204" pitchFamily="34" charset="0"/>
+              <a:buChar char="•"/>
+            </a:pPr>
+            <a:r>
+              <a:rPr lang="es-US" dirty="0"/>
+              <a:t>norm is an overall scaling factor. </a:t>
+            </a:r>
+          </a:p>
+          <a:p>
+            <a:pPr marL="285750" indent="-285750">
+              <a:buFont typeface="Arial" panose="020B0604020202020204" pitchFamily="34" charset="0"/>
+              <a:buChar char="•"/>
+            </a:pPr>
+            <a:r>
+              <a:rPr lang="es-US" dirty="0"/>
+              <a:t>theta allows a rotation of the pattern. (This is what you were asking about.)</a:t>
+            </a:r>
+          </a:p>
+          <a:p>
+            <a:pPr marL="285750" indent="-285750">
+              <a:buFont typeface="Arial" panose="020B0604020202020204" pitchFamily="34" charset="0"/>
+              <a:buChar char="•"/>
+            </a:pPr>
+            <a:r>
+              <a:rPr lang="es-US" dirty="0"/>
+              <a:t>pattern is a list of x,y coordinates of the pattern. </a:t>
+            </a:r>
+          </a:p>
+          <a:p>
+            <a:pPr marL="742950" lvl="1" indent="-285750">
+              <a:buFont typeface="Arial" panose="020B0604020202020204" pitchFamily="34" charset="0"/>
+              <a:buChar char="•"/>
+            </a:pPr>
+            <a:r>
+              <a:rPr lang="es-US" dirty="0"/>
+              <a:t>With qRotate False, +x will be eastwards and +y will be northwards. </a:t>
+            </a:r>
+          </a:p>
+          <a:p>
+            <a:pPr marL="742950" lvl="1" indent="-285750">
+              <a:buFont typeface="Arial" panose="020B0604020202020204" pitchFamily="34" charset="0"/>
+              <a:buChar char="•"/>
+            </a:pPr>
+            <a:r>
+              <a:rPr lang="es-US" dirty="0"/>
+              <a:t>The actual pattern used is scaled by norm and rotated by theta. </a:t>
+            </a:r>
+          </a:p>
+          <a:p>
+            <a:pPr marL="742950" lvl="1" indent="-285750">
+              <a:buFont typeface="Arial" panose="020B0604020202020204" pitchFamily="34" charset="0"/>
+              <a:buChar char="•"/>
+            </a:pPr>
+            <a:r>
+              <a:rPr lang="es-US" dirty="0"/>
+              <a:t>Then possibly rotated again if qRotate is True. </a:t>
+            </a:r>
+          </a:p>
+          <a:p>
+            <a:pPr marL="742950" lvl="1" indent="-285750">
+              <a:buFont typeface="Arial" panose="020B0604020202020204" pitchFamily="34" charset="0"/>
+              <a:buChar char="•"/>
+            </a:pPr>
+            <a:r>
+              <a:rPr lang="es-US" dirty="0"/>
+              <a:t>The actual pattern should end up in meters.  </a:t>
+            </a:r>
+          </a:p>
+          <a:p>
+            <a:pPr marL="742950" lvl="1" indent="-285750">
+              <a:buFont typeface="Arial" panose="020B0604020202020204" pitchFamily="34" charset="0"/>
+              <a:buChar char="•"/>
+            </a:pPr>
+            <a:r>
+              <a:rPr lang="es-US" dirty="0"/>
+              <a:t>The number of points in the pattern is only limited by your imagination, but less than ~50 is a reasonable number. </a:t>
+            </a:r>
+          </a:p>
+          <a:p>
+            <a:pPr marL="742950" lvl="1" indent="-285750">
+              <a:buFont typeface="Arial" panose="020B0604020202020204" pitchFamily="34" charset="0"/>
+              <a:buChar char="•"/>
+            </a:pPr>
+            <a:r>
+              <a:rPr lang="es-US" dirty="0"/>
+              <a:t>The algorithm to find the closest point to start with is linear in N.</a:t>
+            </a:r>
+          </a:p>
+          <a:p>
+            <a:endParaRPr lang="es-US" dirty="0"/>
+          </a:p>
+          <a:p>
+            <a:r>
+              <a:rPr lang="es-US" dirty="0"/>
+              <a:t>Currently the patterns.yaml file lives on gliderfmc0 in the /home/pat/GSatMicroListener directory. If the file is modified, then the software will automatically reload the file. Currently only Anatoli or I have access to gliderfmc0.</a:t>
+            </a:r>
+          </a:p>
+          <a:p>
+            <a:endParaRPr lang="es-US" dirty="0"/>
+          </a:p>
+          <a:p>
+            <a:r>
+              <a:rPr lang="es-US" dirty="0"/>
+              <a:t>Initially, after the pattern is loaded or reloaded, the first point the glider flies to will be the closest in time. After that, it flies through the pattern list sequentially.</a:t>
+            </a:r>
+          </a:p>
+          <a:p>
+            <a:endParaRPr lang="es-US"/>
+          </a:p>
+          <a:p>
+            <a:r>
+              <a:rPr lang="es-US"/>
+              <a:t>If </a:t>
+            </a:r>
+            <a:r>
+              <a:rPr lang="es-US" dirty="0"/>
+              <a:t>the pattern has not been reloaded, then the new goto will start with the pattern point that corresponds to the current waypoint in the previous generated goto file.</a:t>
+            </a:r>
+          </a:p>
+          <a:p>
+            <a:endParaRPr lang="es-US" dirty="0"/>
+          </a:p>
+        </p:txBody>
+      </p:sp>
+    </p:spTree>
+    <p:extLst>
+      <p:ext uri="{BB962C8B-B14F-4D97-AF65-F5344CB8AC3E}">
+        <p14:creationId xmlns:p14="http://schemas.microsoft.com/office/powerpoint/2010/main" val="373106663"/>
+      </p:ext>
+    </p:extLst>
+  </p:cSld>
+  <p:clrMapOvr>
+    <a:masterClrMapping/>
+  </p:clrMapOvr>
+</p:sld>
+</file>
+
 <file path=ppt/theme/theme1.xml><?xml version="1.0" encoding="utf-8"?>
 <a:theme xmlns:a="http://schemas.openxmlformats.org/drawingml/2006/main" name="Tema de Office">
   <a:themeElements>

--- a/Drifter Follower.pptx
+++ b/Drifter Follower.pptx
@@ -268,7 +268,7 @@
           <a:p>
             <a:fld id="{0A51A183-A966-6D4F-A5BD-79CBF7AB6B18}" type="datetimeFigureOut">
               <a:rPr lang="es-US" smtClean="0"/>
-              <a:t>8/6/20</a:t>
+              <a:t>8/19/20</a:t>
             </a:fld>
             <a:endParaRPr lang="es-US"/>
           </a:p>
@@ -468,7 +468,7 @@
           <a:p>
             <a:fld id="{0A51A183-A966-6D4F-A5BD-79CBF7AB6B18}" type="datetimeFigureOut">
               <a:rPr lang="es-US" smtClean="0"/>
-              <a:t>8/6/20</a:t>
+              <a:t>8/19/20</a:t>
             </a:fld>
             <a:endParaRPr lang="es-US"/>
           </a:p>
@@ -678,7 +678,7 @@
           <a:p>
             <a:fld id="{0A51A183-A966-6D4F-A5BD-79CBF7AB6B18}" type="datetimeFigureOut">
               <a:rPr lang="es-US" smtClean="0"/>
-              <a:t>8/6/20</a:t>
+              <a:t>8/19/20</a:t>
             </a:fld>
             <a:endParaRPr lang="es-US"/>
           </a:p>
@@ -878,7 +878,7 @@
           <a:p>
             <a:fld id="{0A51A183-A966-6D4F-A5BD-79CBF7AB6B18}" type="datetimeFigureOut">
               <a:rPr lang="es-US" smtClean="0"/>
-              <a:t>8/6/20</a:t>
+              <a:t>8/19/20</a:t>
             </a:fld>
             <a:endParaRPr lang="es-US"/>
           </a:p>
@@ -1154,7 +1154,7 @@
           <a:p>
             <a:fld id="{0A51A183-A966-6D4F-A5BD-79CBF7AB6B18}" type="datetimeFigureOut">
               <a:rPr lang="es-US" smtClean="0"/>
-              <a:t>8/6/20</a:t>
+              <a:t>8/19/20</a:t>
             </a:fld>
             <a:endParaRPr lang="es-US"/>
           </a:p>
@@ -1422,7 +1422,7 @@
           <a:p>
             <a:fld id="{0A51A183-A966-6D4F-A5BD-79CBF7AB6B18}" type="datetimeFigureOut">
               <a:rPr lang="es-US" smtClean="0"/>
-              <a:t>8/6/20</a:t>
+              <a:t>8/19/20</a:t>
             </a:fld>
             <a:endParaRPr lang="es-US"/>
           </a:p>
@@ -1837,7 +1837,7 @@
           <a:p>
             <a:fld id="{0A51A183-A966-6D4F-A5BD-79CBF7AB6B18}" type="datetimeFigureOut">
               <a:rPr lang="es-US" smtClean="0"/>
-              <a:t>8/6/20</a:t>
+              <a:t>8/19/20</a:t>
             </a:fld>
             <a:endParaRPr lang="es-US"/>
           </a:p>
@@ -1979,7 +1979,7 @@
           <a:p>
             <a:fld id="{0A51A183-A966-6D4F-A5BD-79CBF7AB6B18}" type="datetimeFigureOut">
               <a:rPr lang="es-US" smtClean="0"/>
-              <a:t>8/6/20</a:t>
+              <a:t>8/19/20</a:t>
             </a:fld>
             <a:endParaRPr lang="es-US"/>
           </a:p>
@@ -2092,7 +2092,7 @@
           <a:p>
             <a:fld id="{0A51A183-A966-6D4F-A5BD-79CBF7AB6B18}" type="datetimeFigureOut">
               <a:rPr lang="es-US" smtClean="0"/>
-              <a:t>8/6/20</a:t>
+              <a:t>8/19/20</a:t>
             </a:fld>
             <a:endParaRPr lang="es-US"/>
           </a:p>
@@ -2405,7 +2405,7 @@
           <a:p>
             <a:fld id="{0A51A183-A966-6D4F-A5BD-79CBF7AB6B18}" type="datetimeFigureOut">
               <a:rPr lang="es-US" smtClean="0"/>
-              <a:t>8/6/20</a:t>
+              <a:t>8/19/20</a:t>
             </a:fld>
             <a:endParaRPr lang="es-US"/>
           </a:p>
@@ -2694,7 +2694,7 @@
           <a:p>
             <a:fld id="{0A51A183-A966-6D4F-A5BD-79CBF7AB6B18}" type="datetimeFigureOut">
               <a:rPr lang="es-US" smtClean="0"/>
-              <a:t>8/6/20</a:t>
+              <a:t>8/19/20</a:t>
             </a:fld>
             <a:endParaRPr lang="es-US"/>
           </a:p>
@@ -2937,7 +2937,7 @@
           <a:p>
             <a:fld id="{0A51A183-A966-6D4F-A5BD-79CBF7AB6B18}" type="datetimeFigureOut">
               <a:rPr lang="es-US" smtClean="0"/>
-              <a:t>8/6/20</a:t>
+              <a:t>8/19/20</a:t>
             </a:fld>
             <a:endParaRPr lang="es-US"/>
           </a:p>
@@ -3817,7 +3817,7 @@
             <a:pPr algn="ctr"/>
             <a:r>
               <a:rPr lang="es-US" dirty="0"/>
-              <a:t>Forwarder</a:t>
+              <a:t>Listener</a:t>
             </a:r>
           </a:p>
           <a:p>
@@ -3831,10 +3831,10 @@
       </p:sp>
       <p:sp>
         <p:nvSpPr>
-          <p:cNvPr id="13" name="Rectángulo redondeado 12">
-            <a:extLst>
-              <a:ext uri="{FF2B5EF4-FFF2-40B4-BE49-F238E27FC236}">
-                <a16:creationId xmlns:a16="http://schemas.microsoft.com/office/drawing/2014/main" id="{0516C8C5-6985-374C-920A-70E0EE1159BD}"/>
+          <p:cNvPr id="14" name="Elipse 13">
+            <a:extLst>
+              <a:ext uri="{FF2B5EF4-FFF2-40B4-BE49-F238E27FC236}">
+                <a16:creationId xmlns:a16="http://schemas.microsoft.com/office/drawing/2014/main" id="{BA58617E-91C9-D44D-9E86-1FE27E6B46B1}"/>
               </a:ext>
             </a:extLst>
           </p:cNvPr>
@@ -3843,72 +3843,7 @@
         </p:nvSpPr>
         <p:spPr>
           <a:xfrm>
-            <a:off x="1176867" y="4873095"/>
-            <a:ext cx="1312333" cy="770466"/>
-          </a:xfrm>
-          <a:prstGeom prst="roundRect">
-            <a:avLst>
-              <a:gd name="adj" fmla="val 0"/>
-            </a:avLst>
-          </a:prstGeom>
-        </p:spPr>
-        <p:style>
-          <a:lnRef idx="2">
-            <a:schemeClr val="accent1">
-              <a:shade val="50000"/>
-            </a:schemeClr>
-          </a:lnRef>
-          <a:fillRef idx="1">
-            <a:schemeClr val="accent1"/>
-          </a:fillRef>
-          <a:effectRef idx="0">
-            <a:schemeClr val="accent1"/>
-          </a:effectRef>
-          <a:fontRef idx="minor">
-            <a:schemeClr val="lt1"/>
-          </a:fontRef>
-        </p:style>
-        <p:txBody>
-          <a:bodyPr rtlCol="0" anchor="ctr"/>
-          <a:lstStyle/>
-          <a:p>
-            <a:pPr algn="ctr"/>
-            <a:r>
-              <a:rPr lang="es-US" dirty="0"/>
-              <a:t>GSatMicro</a:t>
-            </a:r>
-          </a:p>
-          <a:p>
-            <a:pPr algn="ctr"/>
-            <a:r>
-              <a:rPr lang="es-US" dirty="0"/>
-              <a:t>Listener</a:t>
-            </a:r>
-          </a:p>
-          <a:p>
-            <a:pPr algn="ctr"/>
-            <a:r>
-              <a:rPr lang="es-US" dirty="0"/>
-              <a:t>gliderfmc0</a:t>
-            </a:r>
-          </a:p>
-        </p:txBody>
-      </p:sp>
-      <p:sp>
-        <p:nvSpPr>
-          <p:cNvPr id="14" name="Elipse 13">
-            <a:extLst>
-              <a:ext uri="{FF2B5EF4-FFF2-40B4-BE49-F238E27FC236}">
-                <a16:creationId xmlns:a16="http://schemas.microsoft.com/office/drawing/2014/main" id="{BA58617E-91C9-D44D-9E86-1FE27E6B46B1}"/>
-              </a:ext>
-            </a:extLst>
-          </p:cNvPr>
-          <p:cNvSpPr/>
-          <p:nvPr/>
-        </p:nvSpPr>
-        <p:spPr>
-          <a:xfrm>
-            <a:off x="3022602" y="4926275"/>
+            <a:off x="1231372" y="4918738"/>
             <a:ext cx="1312332" cy="664105"/>
           </a:xfrm>
           <a:prstGeom prst="ellipse">
@@ -4011,89 +3946,6 @@
           <a:xfrm>
             <a:off x="1888066" y="3602303"/>
             <a:ext cx="0" cy="237463"/>
-          </a:xfrm>
-          <a:prstGeom prst="straightConnector1">
-            <a:avLst/>
-          </a:prstGeom>
-          <a:ln>
-            <a:tailEnd type="triangle"/>
-          </a:ln>
-        </p:spPr>
-        <p:style>
-          <a:lnRef idx="1">
-            <a:schemeClr val="dk1"/>
-          </a:lnRef>
-          <a:fillRef idx="0">
-            <a:schemeClr val="dk1"/>
-          </a:fillRef>
-          <a:effectRef idx="0">
-            <a:schemeClr val="dk1"/>
-          </a:effectRef>
-          <a:fontRef idx="minor">
-            <a:schemeClr val="tx1"/>
-          </a:fontRef>
-        </p:style>
-      </p:cxnSp>
-      <p:cxnSp>
-        <p:nvCxnSpPr>
-          <p:cNvPr id="20" name="Conector recto de flecha 19">
-            <a:extLst>
-              <a:ext uri="{FF2B5EF4-FFF2-40B4-BE49-F238E27FC236}">
-                <a16:creationId xmlns:a16="http://schemas.microsoft.com/office/drawing/2014/main" id="{D753D91F-72E8-5144-BFBB-16497AEA4530}"/>
-              </a:ext>
-            </a:extLst>
-          </p:cNvPr>
-          <p:cNvCxnSpPr>
-            <a:stCxn id="10" idx="2"/>
-          </p:cNvCxnSpPr>
-          <p:nvPr/>
-        </p:nvCxnSpPr>
-        <p:spPr>
-          <a:xfrm>
-            <a:off x="1888066" y="4610232"/>
-            <a:ext cx="0" cy="262863"/>
-          </a:xfrm>
-          <a:prstGeom prst="straightConnector1">
-            <a:avLst/>
-          </a:prstGeom>
-          <a:ln>
-            <a:tailEnd type="triangle"/>
-          </a:ln>
-        </p:spPr>
-        <p:style>
-          <a:lnRef idx="1">
-            <a:schemeClr val="dk1"/>
-          </a:lnRef>
-          <a:fillRef idx="0">
-            <a:schemeClr val="dk1"/>
-          </a:fillRef>
-          <a:effectRef idx="0">
-            <a:schemeClr val="dk1"/>
-          </a:effectRef>
-          <a:fontRef idx="minor">
-            <a:schemeClr val="tx1"/>
-          </a:fontRef>
-        </p:style>
-      </p:cxnSp>
-      <p:cxnSp>
-        <p:nvCxnSpPr>
-          <p:cNvPr id="22" name="Conector recto de flecha 21">
-            <a:extLst>
-              <a:ext uri="{FF2B5EF4-FFF2-40B4-BE49-F238E27FC236}">
-                <a16:creationId xmlns:a16="http://schemas.microsoft.com/office/drawing/2014/main" id="{F0A8C228-F94E-EF4D-AE44-272B32A44217}"/>
-              </a:ext>
-            </a:extLst>
-          </p:cNvPr>
-          <p:cNvCxnSpPr>
-            <a:cxnSpLocks/>
-            <a:endCxn id="14" idx="2"/>
-          </p:cNvCxnSpPr>
-          <p:nvPr/>
-        </p:nvCxnSpPr>
-        <p:spPr>
-          <a:xfrm>
-            <a:off x="2489200" y="5258327"/>
-            <a:ext cx="533402" cy="1"/>
           </a:xfrm>
           <a:prstGeom prst="straightConnector1">
             <a:avLst/>
@@ -4217,7 +4069,7 @@
         </p:nvSpPr>
         <p:spPr>
           <a:xfrm>
-            <a:off x="7162800" y="4700784"/>
+            <a:off x="5662857" y="4652566"/>
             <a:ext cx="1388533" cy="1115085"/>
           </a:xfrm>
           <a:prstGeom prst="rect">
@@ -4261,7 +4113,7 @@
             <a:pPr algn="ctr"/>
             <a:r>
               <a:rPr lang="es-US" dirty="0"/>
-              <a:t>gliderfmc0</a:t>
+              <a:t>gliderfs2</a:t>
             </a:r>
           </a:p>
         </p:txBody>
@@ -4284,8 +4136,8 @@
         </p:nvCxnSpPr>
         <p:spPr>
           <a:xfrm rot="5400000">
-            <a:off x="9018921" y="3846313"/>
-            <a:ext cx="944427" cy="1879601"/>
+            <a:off x="8293058" y="3072232"/>
+            <a:ext cx="896209" cy="3379544"/>
           </a:xfrm>
           <a:prstGeom prst="bentConnector2">
             <a:avLst/>
@@ -4323,8 +4175,8 @@
         </p:nvSpPr>
         <p:spPr>
           <a:xfrm>
-            <a:off x="9144000" y="5167766"/>
-            <a:ext cx="1100665" cy="369332"/>
+            <a:off x="7860996" y="4878055"/>
+            <a:ext cx="1457466" cy="664106"/>
           </a:xfrm>
           <a:prstGeom prst="rect">
             <a:avLst/>
@@ -4339,7 +4191,7 @@
           <a:p>
             <a:r>
               <a:rPr lang="es-US" dirty="0"/>
-              <a:t>SFMC API</a:t>
+              <a:t>   SFMC API OSU Network</a:t>
             </a:r>
           </a:p>
         </p:txBody>
@@ -4358,7 +4210,7 @@
         </p:nvSpPr>
         <p:spPr>
           <a:xfrm>
-            <a:off x="5181600" y="4700784"/>
+            <a:off x="3464718" y="4693247"/>
             <a:ext cx="1388533" cy="1115085"/>
           </a:xfrm>
           <a:prstGeom prst="rect">
@@ -4402,7 +4254,7 @@
             <a:pPr algn="ctr"/>
             <a:r>
               <a:rPr lang="es-US" dirty="0"/>
-              <a:t>gliderfmc0</a:t>
+              <a:t>gliderfs2</a:t>
             </a:r>
           </a:p>
         </p:txBody>
@@ -4425,8 +4277,8 @@
         </p:nvCxnSpPr>
         <p:spPr>
           <a:xfrm flipV="1">
-            <a:off x="4334934" y="5258327"/>
-            <a:ext cx="846666" cy="1"/>
+            <a:off x="2543704" y="5250790"/>
+            <a:ext cx="921014" cy="1"/>
           </a:xfrm>
           <a:prstGeom prst="straightConnector1">
             <a:avLst/>
@@ -4464,7 +4316,7 @@
         </p:nvSpPr>
         <p:spPr>
           <a:xfrm>
-            <a:off x="3065993" y="3366095"/>
+            <a:off x="4616443" y="2135560"/>
             <a:ext cx="1312332" cy="664105"/>
           </a:xfrm>
           <a:prstGeom prst="ellipse">
@@ -4520,7 +4372,7 @@
         </p:nvSpPr>
         <p:spPr>
           <a:xfrm>
-            <a:off x="6131983" y="3128169"/>
+            <a:off x="4578342" y="3266972"/>
             <a:ext cx="1388533" cy="1115085"/>
           </a:xfrm>
           <a:prstGeom prst="rect">
@@ -4564,7 +4416,7 @@
             <a:pPr algn="ctr"/>
             <a:r>
               <a:rPr lang="es-US" dirty="0"/>
-              <a:t>gliderfmc0</a:t>
+              <a:t>gliderfs2</a:t>
             </a:r>
           </a:p>
         </p:txBody>
@@ -4580,92 +4432,15 @@
           </p:cNvPr>
           <p:cNvCxnSpPr>
             <a:cxnSpLocks/>
-            <a:stCxn id="46" idx="6"/>
+            <a:stCxn id="46" idx="4"/>
+            <a:endCxn id="47" idx="0"/>
           </p:cNvCxnSpPr>
           <p:nvPr/>
         </p:nvCxnSpPr>
         <p:spPr>
-          <a:xfrm flipV="1">
-            <a:off x="4378325" y="3669242"/>
-            <a:ext cx="1717675" cy="28906"/>
-          </a:xfrm>
-          <a:prstGeom prst="straightConnector1">
-            <a:avLst/>
-          </a:prstGeom>
-          <a:ln>
-            <a:tailEnd type="triangle"/>
-          </a:ln>
-        </p:spPr>
-        <p:style>
-          <a:lnRef idx="2">
-            <a:schemeClr val="accent4"/>
-          </a:lnRef>
-          <a:fillRef idx="0">
-            <a:schemeClr val="accent4"/>
-          </a:fillRef>
-          <a:effectRef idx="1">
-            <a:schemeClr val="accent4"/>
-          </a:effectRef>
-          <a:fontRef idx="minor">
-            <a:schemeClr val="tx1"/>
-          </a:fontRef>
-        </p:style>
-      </p:cxnSp>
-      <p:cxnSp>
-        <p:nvCxnSpPr>
-          <p:cNvPr id="61" name="Conector recto de flecha 60">
-            <a:extLst>
-              <a:ext uri="{FF2B5EF4-FFF2-40B4-BE49-F238E27FC236}">
-                <a16:creationId xmlns:a16="http://schemas.microsoft.com/office/drawing/2014/main" id="{F51A6DB5-6A85-E348-B480-5B13C13E4E8F}"/>
-              </a:ext>
-            </a:extLst>
-          </p:cNvPr>
-          <p:cNvCxnSpPr/>
-          <p:nvPr/>
-        </p:nvCxnSpPr>
-        <p:spPr>
-          <a:xfrm flipV="1">
-            <a:off x="6409267" y="4224999"/>
-            <a:ext cx="0" cy="475785"/>
-          </a:xfrm>
-          <a:prstGeom prst="straightConnector1">
-            <a:avLst/>
-          </a:prstGeom>
-          <a:ln>
-            <a:tailEnd type="triangle"/>
-          </a:ln>
-        </p:spPr>
-        <p:style>
-          <a:lnRef idx="2">
-            <a:schemeClr val="accent4"/>
-          </a:lnRef>
-          <a:fillRef idx="0">
-            <a:schemeClr val="accent4"/>
-          </a:fillRef>
-          <a:effectRef idx="1">
-            <a:schemeClr val="accent4"/>
-          </a:effectRef>
-          <a:fontRef idx="minor">
-            <a:schemeClr val="tx1"/>
-          </a:fontRef>
-        </p:style>
-      </p:cxnSp>
-      <p:cxnSp>
-        <p:nvCxnSpPr>
-          <p:cNvPr id="62" name="Conector recto de flecha 61">
-            <a:extLst>
-              <a:ext uri="{FF2B5EF4-FFF2-40B4-BE49-F238E27FC236}">
-                <a16:creationId xmlns:a16="http://schemas.microsoft.com/office/drawing/2014/main" id="{145EA7EE-BCDA-2849-A972-D96DDACFA881}"/>
-              </a:ext>
-            </a:extLst>
-          </p:cNvPr>
-          <p:cNvCxnSpPr/>
-          <p:nvPr/>
-        </p:nvCxnSpPr>
-        <p:spPr>
-          <a:xfrm flipV="1">
-            <a:off x="7272867" y="4224998"/>
-            <a:ext cx="0" cy="475785"/>
+          <a:xfrm>
+            <a:off x="5272609" y="2799665"/>
+            <a:ext cx="0" cy="467307"/>
           </a:xfrm>
           <a:prstGeom prst="straightConnector1">
             <a:avLst/>
@@ -4699,14 +4474,16 @@
             </a:extLst>
           </p:cNvPr>
           <p:cNvCxnSpPr>
+            <a:cxnSpLocks/>
             <a:stCxn id="47" idx="3"/>
+            <a:endCxn id="9" idx="1"/>
           </p:cNvCxnSpPr>
           <p:nvPr/>
         </p:nvCxnSpPr>
         <p:spPr>
           <a:xfrm>
-            <a:off x="7520516" y="3685712"/>
-            <a:ext cx="2309284" cy="391121"/>
+            <a:off x="5966875" y="3824515"/>
+            <a:ext cx="3862925" cy="252318"/>
           </a:xfrm>
           <a:prstGeom prst="bentConnector3">
             <a:avLst/>
@@ -4732,10 +4509,10 @@
       </p:cxnSp>
       <p:sp>
         <p:nvSpPr>
-          <p:cNvPr id="65" name="CuadroTexto 64">
-            <a:extLst>
-              <a:ext uri="{FF2B5EF4-FFF2-40B4-BE49-F238E27FC236}">
-                <a16:creationId xmlns:a16="http://schemas.microsoft.com/office/drawing/2014/main" id="{ECD8B4F8-026E-2B43-B7AB-2328A2D25192}"/>
+          <p:cNvPr id="6" name="CuadroTexto 5">
+            <a:extLst>
+              <a:ext uri="{FF2B5EF4-FFF2-40B4-BE49-F238E27FC236}">
+                <a16:creationId xmlns:a16="http://schemas.microsoft.com/office/drawing/2014/main" id="{881742CD-E85B-FB44-926E-B2AA146CB3B7}"/>
               </a:ext>
             </a:extLst>
           </p:cNvPr>
@@ -4744,8 +4521,8 @@
         </p:nvSpPr>
         <p:spPr>
           <a:xfrm>
-            <a:off x="8680459" y="3749021"/>
-            <a:ext cx="1149341" cy="369332"/>
+            <a:off x="1041199" y="3519845"/>
+            <a:ext cx="2085267" cy="369332"/>
           </a:xfrm>
           <a:prstGeom prst="rect">
             <a:avLst/>
@@ -4760,17 +4537,144 @@
           <a:p>
             <a:r>
               <a:rPr lang="es-US" dirty="0"/>
-              <a:t>SFMC API</a:t>
-            </a:r>
-          </a:p>
-        </p:txBody>
-      </p:sp>
-      <p:sp>
-        <p:nvSpPr>
-          <p:cNvPr id="6" name="CuadroTexto 5">
-            <a:extLst>
-              <a:ext uri="{FF2B5EF4-FFF2-40B4-BE49-F238E27FC236}">
-                <a16:creationId xmlns:a16="http://schemas.microsoft.com/office/drawing/2014/main" id="{881742CD-E85B-FB44-926E-B2AA146CB3B7}"/>
+              <a:t>DirectIP via Internet</a:t>
+            </a:r>
+          </a:p>
+        </p:txBody>
+      </p:sp>
+      <p:cxnSp>
+        <p:nvCxnSpPr>
+          <p:cNvPr id="21" name="Conector recto de flecha 20">
+            <a:extLst>
+              <a:ext uri="{FF2B5EF4-FFF2-40B4-BE49-F238E27FC236}">
+                <a16:creationId xmlns:a16="http://schemas.microsoft.com/office/drawing/2014/main" id="{BBAD8B98-2A37-984C-9264-2EBA95D46DCE}"/>
+              </a:ext>
+            </a:extLst>
+          </p:cNvPr>
+          <p:cNvCxnSpPr>
+            <a:cxnSpLocks/>
+            <a:stCxn id="10" idx="2"/>
+            <a:endCxn id="14" idx="0"/>
+          </p:cNvCxnSpPr>
+          <p:nvPr/>
+        </p:nvCxnSpPr>
+        <p:spPr>
+          <a:xfrm flipH="1">
+            <a:off x="1887538" y="4610232"/>
+            <a:ext cx="528" cy="308506"/>
+          </a:xfrm>
+          <a:prstGeom prst="straightConnector1">
+            <a:avLst/>
+          </a:prstGeom>
+          <a:ln>
+            <a:tailEnd type="triangle"/>
+          </a:ln>
+        </p:spPr>
+        <p:style>
+          <a:lnRef idx="1">
+            <a:schemeClr val="accent4"/>
+          </a:lnRef>
+          <a:fillRef idx="0">
+            <a:schemeClr val="accent4"/>
+          </a:fillRef>
+          <a:effectRef idx="0">
+            <a:schemeClr val="accent4"/>
+          </a:effectRef>
+          <a:fontRef idx="minor">
+            <a:schemeClr val="tx1"/>
+          </a:fontRef>
+        </p:style>
+      </p:cxnSp>
+      <p:cxnSp>
+        <p:nvCxnSpPr>
+          <p:cNvPr id="40" name="Conector angular 39">
+            <a:extLst>
+              <a:ext uri="{FF2B5EF4-FFF2-40B4-BE49-F238E27FC236}">
+                <a16:creationId xmlns:a16="http://schemas.microsoft.com/office/drawing/2014/main" id="{0759D181-55ED-9047-B897-453903829004}"/>
+              </a:ext>
+            </a:extLst>
+          </p:cNvPr>
+          <p:cNvCxnSpPr>
+            <a:cxnSpLocks/>
+            <a:stCxn id="34" idx="1"/>
+          </p:cNvCxnSpPr>
+          <p:nvPr/>
+        </p:nvCxnSpPr>
+        <p:spPr>
+          <a:xfrm rot="10800000">
+            <a:off x="5272609" y="4382057"/>
+            <a:ext cx="390249" cy="828052"/>
+          </a:xfrm>
+          <a:prstGeom prst="bentConnector2">
+            <a:avLst/>
+          </a:prstGeom>
+          <a:ln>
+            <a:tailEnd type="triangle"/>
+          </a:ln>
+        </p:spPr>
+        <p:style>
+          <a:lnRef idx="1">
+            <a:schemeClr val="accent4"/>
+          </a:lnRef>
+          <a:fillRef idx="0">
+            <a:schemeClr val="accent4"/>
+          </a:fillRef>
+          <a:effectRef idx="0">
+            <a:schemeClr val="accent4"/>
+          </a:effectRef>
+          <a:fontRef idx="minor">
+            <a:schemeClr val="tx1"/>
+          </a:fontRef>
+        </p:style>
+      </p:cxnSp>
+      <p:cxnSp>
+        <p:nvCxnSpPr>
+          <p:cNvPr id="44" name="Conector angular 43">
+            <a:extLst>
+              <a:ext uri="{FF2B5EF4-FFF2-40B4-BE49-F238E27FC236}">
+                <a16:creationId xmlns:a16="http://schemas.microsoft.com/office/drawing/2014/main" id="{BE5A047B-478B-854F-A4BD-B0EF59A53E0C}"/>
+              </a:ext>
+            </a:extLst>
+          </p:cNvPr>
+          <p:cNvCxnSpPr>
+            <a:cxnSpLocks/>
+            <a:endCxn id="47" idx="1"/>
+          </p:cNvCxnSpPr>
+          <p:nvPr/>
+        </p:nvCxnSpPr>
+        <p:spPr>
+          <a:xfrm rot="5400000" flipH="1" flipV="1">
+            <a:off x="3934297" y="4049202"/>
+            <a:ext cx="868732" cy="419358"/>
+          </a:xfrm>
+          <a:prstGeom prst="bentConnector2">
+            <a:avLst/>
+          </a:prstGeom>
+          <a:ln>
+            <a:tailEnd type="triangle"/>
+          </a:ln>
+        </p:spPr>
+        <p:style>
+          <a:lnRef idx="1">
+            <a:schemeClr val="accent4"/>
+          </a:lnRef>
+          <a:fillRef idx="0">
+            <a:schemeClr val="accent4"/>
+          </a:fillRef>
+          <a:effectRef idx="0">
+            <a:schemeClr val="accent4"/>
+          </a:effectRef>
+          <a:fontRef idx="minor">
+            <a:schemeClr val="tx1"/>
+          </a:fontRef>
+        </p:style>
+      </p:cxnSp>
+      <p:sp>
+        <p:nvSpPr>
+          <p:cNvPr id="54" name="CuadroTexto 53">
+            <a:extLst>
+              <a:ext uri="{FF2B5EF4-FFF2-40B4-BE49-F238E27FC236}">
+                <a16:creationId xmlns:a16="http://schemas.microsoft.com/office/drawing/2014/main" id="{B47E9AD2-8388-FD42-8A44-1DD3A03D0DDF}"/>
               </a:ext>
             </a:extLst>
           </p:cNvPr>
@@ -4779,8 +4683,8 @@
         </p:nvSpPr>
         <p:spPr>
           <a:xfrm>
-            <a:off x="1887538" y="3526843"/>
-            <a:ext cx="930264" cy="369332"/>
+            <a:off x="1118821" y="2754708"/>
+            <a:ext cx="2007645" cy="369332"/>
           </a:xfrm>
           <a:prstGeom prst="rect">
             <a:avLst/>
@@ -4795,17 +4699,17 @@
           <a:p>
             <a:r>
               <a:rPr lang="es-US" dirty="0"/>
-              <a:t>DirectIP</a:t>
-            </a:r>
-          </a:p>
-        </p:txBody>
-      </p:sp>
-      <p:sp>
-        <p:nvSpPr>
-          <p:cNvPr id="31" name="CuadroTexto 30">
-            <a:extLst>
-              <a:ext uri="{FF2B5EF4-FFF2-40B4-BE49-F238E27FC236}">
-                <a16:creationId xmlns:a16="http://schemas.microsoft.com/office/drawing/2014/main" id="{4353323A-B032-F946-BD3B-C5E9E3A4225B}"/>
+              <a:t>Iridium via Satellite</a:t>
+            </a:r>
+          </a:p>
+        </p:txBody>
+      </p:sp>
+      <p:sp>
+        <p:nvSpPr>
+          <p:cNvPr id="87" name="CuadroTexto 86">
+            <a:extLst>
+              <a:ext uri="{FF2B5EF4-FFF2-40B4-BE49-F238E27FC236}">
+                <a16:creationId xmlns:a16="http://schemas.microsoft.com/office/drawing/2014/main" id="{128ECD0A-7E43-9542-ACC5-29BD92932703}"/>
               </a:ext>
             </a:extLst>
           </p:cNvPr>
@@ -4814,8 +4718,8 @@
         </p:nvSpPr>
         <p:spPr>
           <a:xfrm>
-            <a:off x="10435335" y="3545166"/>
-            <a:ext cx="930264" cy="369332"/>
+            <a:off x="7941968" y="3756357"/>
+            <a:ext cx="1457466" cy="664106"/>
           </a:xfrm>
           <a:prstGeom prst="rect">
             <a:avLst/>
@@ -4830,7 +4734,77 @@
           <a:p>
             <a:r>
               <a:rPr lang="es-US" dirty="0"/>
-              <a:t>DirectIP</a:t>
+              <a:t>   SFMC API OSU Network</a:t>
+            </a:r>
+          </a:p>
+        </p:txBody>
+      </p:sp>
+      <p:sp>
+        <p:nvSpPr>
+          <p:cNvPr id="88" name="CuadroTexto 87">
+            <a:extLst>
+              <a:ext uri="{FF2B5EF4-FFF2-40B4-BE49-F238E27FC236}">
+                <a16:creationId xmlns:a16="http://schemas.microsoft.com/office/drawing/2014/main" id="{349F0999-0F2C-8C41-BFAE-80952AE0FD31}"/>
+              </a:ext>
+            </a:extLst>
+          </p:cNvPr>
+          <p:cNvSpPr txBox="1"/>
+          <p:nvPr/>
+        </p:nvSpPr>
+        <p:spPr>
+          <a:xfrm>
+            <a:off x="9568563" y="3519845"/>
+            <a:ext cx="2187604" cy="369332"/>
+          </a:xfrm>
+          <a:prstGeom prst="rect">
+            <a:avLst/>
+          </a:prstGeom>
+          <a:noFill/>
+        </p:spPr>
+        <p:txBody>
+          <a:bodyPr wrap="square" rtlCol="0">
+            <a:spAutoFit/>
+          </a:bodyPr>
+          <a:lstStyle/>
+          <a:p>
+            <a:r>
+              <a:rPr lang="es-US" dirty="0"/>
+              <a:t>DirectIP  via Internet</a:t>
+            </a:r>
+          </a:p>
+        </p:txBody>
+      </p:sp>
+      <p:sp>
+        <p:nvSpPr>
+          <p:cNvPr id="90" name="CuadroTexto 89">
+            <a:extLst>
+              <a:ext uri="{FF2B5EF4-FFF2-40B4-BE49-F238E27FC236}">
+                <a16:creationId xmlns:a16="http://schemas.microsoft.com/office/drawing/2014/main" id="{F7BBDFBD-DE37-F743-B9D8-7C2A8A8D2F19}"/>
+              </a:ext>
+            </a:extLst>
+          </p:cNvPr>
+          <p:cNvSpPr txBox="1"/>
+          <p:nvPr/>
+        </p:nvSpPr>
+        <p:spPr>
+          <a:xfrm>
+            <a:off x="9610697" y="2783543"/>
+            <a:ext cx="2187603" cy="369332"/>
+          </a:xfrm>
+          <a:prstGeom prst="rect">
+            <a:avLst/>
+          </a:prstGeom>
+          <a:noFill/>
+        </p:spPr>
+        <p:txBody>
+          <a:bodyPr wrap="square" rtlCol="0">
+            <a:spAutoFit/>
+          </a:bodyPr>
+          <a:lstStyle/>
+          <a:p>
+            <a:r>
+              <a:rPr lang="es-US" dirty="0"/>
+              <a:t>Iridium   via Satellite</a:t>
             </a:r>
           </a:p>
         </p:txBody>
@@ -4922,19 +4896,19 @@
           <a:p>
             <a:r>
               <a:rPr lang="es-US" dirty="0"/>
-              <a:t>When the glider calls in the dialog is forwarded to the Dialog Consumer.</a:t>
-            </a:r>
-          </a:p>
-          <a:p>
-            <a:r>
-              <a:rPr lang="es-US" dirty="0"/>
-              <a:t>Once files are being sent from the glider to SFMC, a new goto file is generated and sent to SFMC.</a:t>
-            </a:r>
-          </a:p>
-          <a:p>
-            <a:r>
-              <a:rPr lang="es-US" dirty="0"/>
-              <a:t>After the files are done being sent from the glider to SFMC, the new goto file is sent to the glider.</a:t>
+              <a:t>When the glider calls in SFMC sends the dialog to the Dialog Consumer.</a:t>
+            </a:r>
+          </a:p>
+          <a:p>
+            <a:r>
+              <a:rPr lang="es-US" dirty="0"/>
+              <a:t>When SBD and TBD files are being sent from the glider to SFMC, a new goto file is generated and sent to SFMC.</a:t>
+            </a:r>
+          </a:p>
+          <a:p>
+            <a:r>
+              <a:rPr lang="es-US" dirty="0"/>
+              <a:t>After the SBD and TBD files are done being sent from the glider to SFMC, the new goto file is sent to the glider.</a:t>
             </a:r>
           </a:p>
         </p:txBody>

--- a/Drifter Follower.pptx
+++ b/Drifter Follower.pptx
@@ -3513,7 +3513,7 @@
         </p:nvSpPr>
         <p:spPr>
           <a:xfrm>
-            <a:off x="1443566" y="2353733"/>
+            <a:off x="1443566" y="1961534"/>
             <a:ext cx="889000" cy="474134"/>
           </a:xfrm>
           <a:prstGeom prst="roundRect">
@@ -3562,7 +3562,7 @@
         </p:nvSpPr>
         <p:spPr>
           <a:xfrm>
-            <a:off x="10024534" y="2353733"/>
+            <a:off x="10024534" y="1962986"/>
             <a:ext cx="812800" cy="474134"/>
           </a:xfrm>
           <a:prstGeom prst="roundRect">
@@ -3611,7 +3611,7 @@
         </p:nvSpPr>
         <p:spPr>
           <a:xfrm>
-            <a:off x="1443566" y="3128169"/>
+            <a:off x="1443566" y="2856812"/>
             <a:ext cx="889000" cy="474134"/>
           </a:xfrm>
           <a:prstGeom prst="roundRect">
@@ -3669,7 +3669,7 @@
         </p:nvSpPr>
         <p:spPr>
           <a:xfrm>
-            <a:off x="9986434" y="3128169"/>
+            <a:off x="9983972" y="2885751"/>
             <a:ext cx="889000" cy="474134"/>
           </a:xfrm>
           <a:prstGeom prst="roundRect">
@@ -3844,7 +3844,7 @@
         <p:spPr>
           <a:xfrm>
             <a:off x="1231372" y="4918738"/>
-            <a:ext cx="1312332" cy="664105"/>
+            <a:ext cx="1312332" cy="958360"/>
           </a:xfrm>
           <a:prstGeom prst="ellipse">
             <a:avLst/>
@@ -3873,7 +3873,7 @@
             <a:pPr algn="ctr"/>
             <a:r>
               <a:rPr lang="es-US" dirty="0"/>
-              <a:t>SQLite3</a:t>
+              <a:t>Drifter SQLite3</a:t>
             </a:r>
           </a:p>
           <a:p>
@@ -3902,8 +3902,8 @@
         </p:nvCxnSpPr>
         <p:spPr>
           <a:xfrm>
-            <a:off x="1888066" y="2827867"/>
-            <a:ext cx="0" cy="300302"/>
+            <a:off x="1888066" y="2435668"/>
+            <a:ext cx="0" cy="421144"/>
           </a:xfrm>
           <a:prstGeom prst="straightConnector1">
             <a:avLst/>
@@ -3944,8 +3944,8 @@
         </p:nvCxnSpPr>
         <p:spPr>
           <a:xfrm>
-            <a:off x="1888066" y="3602303"/>
-            <a:ext cx="0" cy="237463"/>
+            <a:off x="1888066" y="3330946"/>
+            <a:ext cx="0" cy="508820"/>
           </a:xfrm>
           <a:prstGeom prst="straightConnector1">
             <a:avLst/>
@@ -3985,9 +3985,9 @@
           <p:nvPr/>
         </p:nvCxnSpPr>
         <p:spPr>
-          <a:xfrm>
-            <a:off x="10430934" y="2827867"/>
-            <a:ext cx="0" cy="300302"/>
+          <a:xfrm flipH="1">
+            <a:off x="10428472" y="2437120"/>
+            <a:ext cx="2462" cy="448631"/>
           </a:xfrm>
           <a:prstGeom prst="straightConnector1">
             <a:avLst/>
@@ -4029,8 +4029,8 @@
         </p:nvCxnSpPr>
         <p:spPr>
           <a:xfrm>
-            <a:off x="10430934" y="3602303"/>
-            <a:ext cx="0" cy="237463"/>
+            <a:off x="10428472" y="3359885"/>
+            <a:ext cx="2462" cy="479881"/>
           </a:xfrm>
           <a:prstGeom prst="straightConnector1">
             <a:avLst/>
@@ -4069,7 +4069,7 @@
         </p:nvSpPr>
         <p:spPr>
           <a:xfrm>
-            <a:off x="5662857" y="4652566"/>
+            <a:off x="7438360" y="4714860"/>
             <a:ext cx="1388533" cy="1115085"/>
           </a:xfrm>
           <a:prstGeom prst="rect">
@@ -4136,8 +4136,8 @@
         </p:nvCxnSpPr>
         <p:spPr>
           <a:xfrm rot="5400000">
-            <a:off x="8293058" y="3072232"/>
-            <a:ext cx="896209" cy="3379544"/>
+            <a:off x="9149663" y="3991131"/>
+            <a:ext cx="958503" cy="1604041"/>
           </a:xfrm>
           <a:prstGeom prst="bentConnector2">
             <a:avLst/>
@@ -4175,7 +4175,7 @@
         </p:nvSpPr>
         <p:spPr>
           <a:xfrm>
-            <a:off x="7860996" y="4878055"/>
+            <a:off x="9024614" y="4942358"/>
             <a:ext cx="1457466" cy="664106"/>
           </a:xfrm>
           <a:prstGeom prst="rect">
@@ -4210,7 +4210,7 @@
         </p:nvSpPr>
         <p:spPr>
           <a:xfrm>
-            <a:off x="3464718" y="4693247"/>
+            <a:off x="3451879" y="4835317"/>
             <a:ext cx="1388533" cy="1115085"/>
           </a:xfrm>
           <a:prstGeom prst="rect">
@@ -4277,8 +4277,8 @@
         </p:nvCxnSpPr>
         <p:spPr>
           <a:xfrm flipV="1">
-            <a:off x="2543704" y="5250790"/>
-            <a:ext cx="921014" cy="1"/>
+            <a:off x="2543704" y="5392860"/>
+            <a:ext cx="908175" cy="5058"/>
           </a:xfrm>
           <a:prstGeom prst="straightConnector1">
             <a:avLst/>
@@ -4316,7 +4316,7 @@
         </p:nvSpPr>
         <p:spPr>
           <a:xfrm>
-            <a:off x="4616443" y="2135560"/>
+            <a:off x="3335868" y="2335840"/>
             <a:ext cx="1312332" cy="664105"/>
           </a:xfrm>
           <a:prstGeom prst="ellipse">
@@ -4372,7 +4372,7 @@
         </p:nvSpPr>
         <p:spPr>
           <a:xfrm>
-            <a:off x="4578342" y="3266972"/>
+            <a:off x="5401733" y="2135560"/>
             <a:ext cx="1388533" cy="1115085"/>
           </a:xfrm>
           <a:prstGeom prst="rect">
@@ -4432,15 +4432,14 @@
           </p:cNvPr>
           <p:cNvCxnSpPr>
             <a:cxnSpLocks/>
-            <a:stCxn id="46" idx="4"/>
-            <a:endCxn id="47" idx="0"/>
+            <a:stCxn id="46" idx="6"/>
           </p:cNvCxnSpPr>
           <p:nvPr/>
         </p:nvCxnSpPr>
         <p:spPr>
           <a:xfrm>
-            <a:off x="5272609" y="2799665"/>
-            <a:ext cx="0" cy="467307"/>
+            <a:off x="4648200" y="2667893"/>
+            <a:ext cx="742950" cy="0"/>
           </a:xfrm>
           <a:prstGeom prst="straightConnector1">
             <a:avLst/>
@@ -4482,8 +4481,8 @@
         </p:nvCxnSpPr>
         <p:spPr>
           <a:xfrm>
-            <a:off x="5966875" y="3824515"/>
-            <a:ext cx="3862925" cy="252318"/>
+            <a:off x="6790266" y="2693103"/>
+            <a:ext cx="3039534" cy="1383730"/>
           </a:xfrm>
           <a:prstGeom prst="bentConnector3">
             <a:avLst/>
@@ -4521,7 +4520,7 @@
         </p:nvSpPr>
         <p:spPr>
           <a:xfrm>
-            <a:off x="1041199" y="3519845"/>
+            <a:off x="1035320" y="3354844"/>
             <a:ext cx="2085267" cy="369332"/>
           </a:xfrm>
           <a:prstGeom prst="rect">
@@ -4585,25 +4584,264 @@
           </a:fontRef>
         </p:style>
       </p:cxnSp>
+      <p:sp>
+        <p:nvSpPr>
+          <p:cNvPr id="54" name="CuadroTexto 53">
+            <a:extLst>
+              <a:ext uri="{FF2B5EF4-FFF2-40B4-BE49-F238E27FC236}">
+                <a16:creationId xmlns:a16="http://schemas.microsoft.com/office/drawing/2014/main" id="{B47E9AD2-8388-FD42-8A44-1DD3A03D0DDF}"/>
+              </a:ext>
+            </a:extLst>
+          </p:cNvPr>
+          <p:cNvSpPr txBox="1"/>
+          <p:nvPr/>
+        </p:nvSpPr>
+        <p:spPr>
+          <a:xfrm>
+            <a:off x="1105971" y="2446840"/>
+            <a:ext cx="2007645" cy="369332"/>
+          </a:xfrm>
+          <a:prstGeom prst="rect">
+            <a:avLst/>
+          </a:prstGeom>
+          <a:noFill/>
+        </p:spPr>
+        <p:txBody>
+          <a:bodyPr wrap="square" rtlCol="0">
+            <a:spAutoFit/>
+          </a:bodyPr>
+          <a:lstStyle/>
+          <a:p>
+            <a:r>
+              <a:rPr lang="es-US" dirty="0"/>
+              <a:t>Iridium via Satellite</a:t>
+            </a:r>
+          </a:p>
+        </p:txBody>
+      </p:sp>
+      <p:sp>
+        <p:nvSpPr>
+          <p:cNvPr id="87" name="CuadroTexto 86">
+            <a:extLst>
+              <a:ext uri="{FF2B5EF4-FFF2-40B4-BE49-F238E27FC236}">
+                <a16:creationId xmlns:a16="http://schemas.microsoft.com/office/drawing/2014/main" id="{128ECD0A-7E43-9542-ACC5-29BD92932703}"/>
+              </a:ext>
+            </a:extLst>
+          </p:cNvPr>
+          <p:cNvSpPr txBox="1"/>
+          <p:nvPr/>
+        </p:nvSpPr>
+        <p:spPr>
+          <a:xfrm>
+            <a:off x="8314043" y="3763103"/>
+            <a:ext cx="1457466" cy="664106"/>
+          </a:xfrm>
+          <a:prstGeom prst="rect">
+            <a:avLst/>
+          </a:prstGeom>
+          <a:noFill/>
+        </p:spPr>
+        <p:txBody>
+          <a:bodyPr wrap="square" rtlCol="0">
+            <a:spAutoFit/>
+          </a:bodyPr>
+          <a:lstStyle/>
+          <a:p>
+            <a:r>
+              <a:rPr lang="es-US" dirty="0"/>
+              <a:t>   SFMC API OSU Network</a:t>
+            </a:r>
+          </a:p>
+        </p:txBody>
+      </p:sp>
+      <p:sp>
+        <p:nvSpPr>
+          <p:cNvPr id="88" name="CuadroTexto 87">
+            <a:extLst>
+              <a:ext uri="{FF2B5EF4-FFF2-40B4-BE49-F238E27FC236}">
+                <a16:creationId xmlns:a16="http://schemas.microsoft.com/office/drawing/2014/main" id="{349F0999-0F2C-8C41-BFAE-80952AE0FD31}"/>
+              </a:ext>
+            </a:extLst>
+          </p:cNvPr>
+          <p:cNvSpPr txBox="1"/>
+          <p:nvPr/>
+        </p:nvSpPr>
+        <p:spPr>
+          <a:xfrm>
+            <a:off x="9525124" y="3410842"/>
+            <a:ext cx="2187604" cy="369332"/>
+          </a:xfrm>
+          <a:prstGeom prst="rect">
+            <a:avLst/>
+          </a:prstGeom>
+          <a:noFill/>
+        </p:spPr>
+        <p:txBody>
+          <a:bodyPr wrap="square" rtlCol="0">
+            <a:spAutoFit/>
+          </a:bodyPr>
+          <a:lstStyle/>
+          <a:p>
+            <a:r>
+              <a:rPr lang="es-US" dirty="0"/>
+              <a:t>DirectIP  via Internet</a:t>
+            </a:r>
+          </a:p>
+        </p:txBody>
+      </p:sp>
+      <p:sp>
+        <p:nvSpPr>
+          <p:cNvPr id="90" name="CuadroTexto 89">
+            <a:extLst>
+              <a:ext uri="{FF2B5EF4-FFF2-40B4-BE49-F238E27FC236}">
+                <a16:creationId xmlns:a16="http://schemas.microsoft.com/office/drawing/2014/main" id="{F7BBDFBD-DE37-F743-B9D8-7C2A8A8D2F19}"/>
+              </a:ext>
+            </a:extLst>
+          </p:cNvPr>
+          <p:cNvSpPr txBox="1"/>
+          <p:nvPr/>
+        </p:nvSpPr>
+        <p:spPr>
+          <a:xfrm>
+            <a:off x="9606979" y="2493358"/>
+            <a:ext cx="2187603" cy="369332"/>
+          </a:xfrm>
+          <a:prstGeom prst="rect">
+            <a:avLst/>
+          </a:prstGeom>
+          <a:noFill/>
+        </p:spPr>
+        <p:txBody>
+          <a:bodyPr wrap="square" rtlCol="0">
+            <a:spAutoFit/>
+          </a:bodyPr>
+          <a:lstStyle/>
+          <a:p>
+            <a:r>
+              <a:rPr lang="es-US" dirty="0"/>
+              <a:t>Iridium   via Satellite</a:t>
+            </a:r>
+          </a:p>
+        </p:txBody>
+      </p:sp>
+      <p:sp>
+        <p:nvSpPr>
+          <p:cNvPr id="37" name="Elipse 36">
+            <a:extLst>
+              <a:ext uri="{FF2B5EF4-FFF2-40B4-BE49-F238E27FC236}">
+                <a16:creationId xmlns:a16="http://schemas.microsoft.com/office/drawing/2014/main" id="{BB8FC84C-A847-7644-B37C-5B5569388690}"/>
+              </a:ext>
+            </a:extLst>
+          </p:cNvPr>
+          <p:cNvSpPr/>
+          <p:nvPr/>
+        </p:nvSpPr>
+        <p:spPr>
+          <a:xfrm>
+            <a:off x="5889763" y="4795231"/>
+            <a:ext cx="1312332" cy="958360"/>
+          </a:xfrm>
+          <a:prstGeom prst="ellipse">
+            <a:avLst/>
+          </a:prstGeom>
+        </p:spPr>
+        <p:style>
+          <a:lnRef idx="2">
+            <a:schemeClr val="accent1">
+              <a:shade val="50000"/>
+            </a:schemeClr>
+          </a:lnRef>
+          <a:fillRef idx="1">
+            <a:schemeClr val="accent1"/>
+          </a:fillRef>
+          <a:effectRef idx="0">
+            <a:schemeClr val="accent1"/>
+          </a:effectRef>
+          <a:fontRef idx="minor">
+            <a:schemeClr val="lt1"/>
+          </a:fontRef>
+        </p:style>
+        <p:txBody>
+          <a:bodyPr rtlCol="0" anchor="ctr"/>
+          <a:lstStyle/>
+          <a:p>
+            <a:pPr algn="ctr"/>
+            <a:r>
+              <a:rPr lang="es-US" dirty="0"/>
+              <a:t>Glider SQLite3</a:t>
+            </a:r>
+          </a:p>
+          <a:p>
+            <a:pPr algn="ctr"/>
+            <a:r>
+              <a:rPr lang="es-US" dirty="0"/>
+              <a:t>DB</a:t>
+            </a:r>
+          </a:p>
+        </p:txBody>
+      </p:sp>
       <p:cxnSp>
         <p:nvCxnSpPr>
-          <p:cNvPr id="40" name="Conector angular 39">
-            <a:extLst>
-              <a:ext uri="{FF2B5EF4-FFF2-40B4-BE49-F238E27FC236}">
-                <a16:creationId xmlns:a16="http://schemas.microsoft.com/office/drawing/2014/main" id="{0759D181-55ED-9047-B897-453903829004}"/>
+          <p:cNvPr id="22" name="Conector recto de flecha 21">
+            <a:extLst>
+              <a:ext uri="{FF2B5EF4-FFF2-40B4-BE49-F238E27FC236}">
+                <a16:creationId xmlns:a16="http://schemas.microsoft.com/office/drawing/2014/main" id="{273EA656-3A6F-3D4D-AEBE-8371486D88E8}"/>
               </a:ext>
             </a:extLst>
           </p:cNvPr>
           <p:cNvCxnSpPr>
             <a:cxnSpLocks/>
             <a:stCxn id="34" idx="1"/>
+            <a:endCxn id="37" idx="6"/>
           </p:cNvCxnSpPr>
           <p:nvPr/>
         </p:nvCxnSpPr>
         <p:spPr>
-          <a:xfrm rot="10800000">
-            <a:off x="5272609" y="4382057"/>
-            <a:ext cx="390249" cy="828052"/>
+          <a:xfrm flipH="1">
+            <a:off x="7202095" y="5272403"/>
+            <a:ext cx="236265" cy="2008"/>
+          </a:xfrm>
+          <a:prstGeom prst="straightConnector1">
+            <a:avLst/>
+          </a:prstGeom>
+          <a:ln>
+            <a:tailEnd type="triangle"/>
+          </a:ln>
+        </p:spPr>
+        <p:style>
+          <a:lnRef idx="1">
+            <a:schemeClr val="accent4"/>
+          </a:lnRef>
+          <a:fillRef idx="0">
+            <a:schemeClr val="accent4"/>
+          </a:fillRef>
+          <a:effectRef idx="0">
+            <a:schemeClr val="accent4"/>
+          </a:effectRef>
+          <a:fontRef idx="minor">
+            <a:schemeClr val="tx1"/>
+          </a:fontRef>
+        </p:style>
+      </p:cxnSp>
+      <p:cxnSp>
+        <p:nvCxnSpPr>
+          <p:cNvPr id="25" name="Conector angular 24">
+            <a:extLst>
+              <a:ext uri="{FF2B5EF4-FFF2-40B4-BE49-F238E27FC236}">
+                <a16:creationId xmlns:a16="http://schemas.microsoft.com/office/drawing/2014/main" id="{4D3AAC83-FA05-F347-964B-B54B4892517A}"/>
+              </a:ext>
+            </a:extLst>
+          </p:cNvPr>
+          <p:cNvCxnSpPr>
+            <a:cxnSpLocks/>
+            <a:stCxn id="39" idx="3"/>
+          </p:cNvCxnSpPr>
+          <p:nvPr/>
+        </p:nvCxnSpPr>
+        <p:spPr>
+          <a:xfrm flipV="1">
+            <a:off x="4840412" y="3267778"/>
+            <a:ext cx="952288" cy="2125082"/>
           </a:xfrm>
           <a:prstGeom prst="bentConnector2">
             <a:avLst/>
@@ -4629,26 +4867,29 @@
       </p:cxnSp>
       <p:cxnSp>
         <p:nvCxnSpPr>
-          <p:cNvPr id="44" name="Conector angular 43">
-            <a:extLst>
-              <a:ext uri="{FF2B5EF4-FFF2-40B4-BE49-F238E27FC236}">
-                <a16:creationId xmlns:a16="http://schemas.microsoft.com/office/drawing/2014/main" id="{BE5A047B-478B-854F-A4BD-B0EF59A53E0C}"/>
+          <p:cNvPr id="32" name="Conector angular 31">
+            <a:extLst>
+              <a:ext uri="{FF2B5EF4-FFF2-40B4-BE49-F238E27FC236}">
+                <a16:creationId xmlns:a16="http://schemas.microsoft.com/office/drawing/2014/main" id="{516EF2E9-D4A3-5141-8D72-4742E3D6D0D8}"/>
               </a:ext>
             </a:extLst>
           </p:cNvPr>
           <p:cNvCxnSpPr>
             <a:cxnSpLocks/>
-            <a:endCxn id="47" idx="1"/>
+            <a:stCxn id="37" idx="0"/>
+            <a:endCxn id="47" idx="2"/>
           </p:cNvCxnSpPr>
           <p:nvPr/>
         </p:nvCxnSpPr>
         <p:spPr>
-          <a:xfrm rot="5400000" flipH="1" flipV="1">
-            <a:off x="3934297" y="4049202"/>
-            <a:ext cx="868732" cy="419358"/>
+          <a:xfrm rot="16200000" flipV="1">
+            <a:off x="5548672" y="3797973"/>
+            <a:ext cx="1544586" cy="449929"/>
           </a:xfrm>
-          <a:prstGeom prst="bentConnector2">
-            <a:avLst/>
+          <a:prstGeom prst="bentConnector3">
+            <a:avLst>
+              <a:gd name="adj1" fmla="val 50000"/>
+            </a:avLst>
           </a:prstGeom>
           <a:ln>
             <a:tailEnd type="triangle"/>
@@ -4669,12 +4910,53 @@
           </a:fontRef>
         </p:style>
       </p:cxnSp>
-      <p:sp>
-        <p:nvSpPr>
-          <p:cNvPr id="54" name="CuadroTexto 53">
-            <a:extLst>
-              <a:ext uri="{FF2B5EF4-FFF2-40B4-BE49-F238E27FC236}">
-                <a16:creationId xmlns:a16="http://schemas.microsoft.com/office/drawing/2014/main" id="{B47E9AD2-8388-FD42-8A44-1DD3A03D0DDF}"/>
+      <p:cxnSp>
+        <p:nvCxnSpPr>
+          <p:cNvPr id="35" name="Conector angular 34">
+            <a:extLst>
+              <a:ext uri="{FF2B5EF4-FFF2-40B4-BE49-F238E27FC236}">
+                <a16:creationId xmlns:a16="http://schemas.microsoft.com/office/drawing/2014/main" id="{61A1BE0C-DD06-B444-B1EE-B076185E6C62}"/>
+              </a:ext>
+            </a:extLst>
+          </p:cNvPr>
+          <p:cNvCxnSpPr>
+            <a:cxnSpLocks/>
+          </p:cNvCxnSpPr>
+          <p:nvPr/>
+        </p:nvCxnSpPr>
+        <p:spPr>
+          <a:xfrm rot="16200000" flipV="1">
+            <a:off x="6668693" y="3347267"/>
+            <a:ext cx="1447083" cy="1288103"/>
+          </a:xfrm>
+          <a:prstGeom prst="bentConnector3">
+            <a:avLst/>
+          </a:prstGeom>
+          <a:ln>
+            <a:tailEnd type="triangle"/>
+          </a:ln>
+        </p:spPr>
+        <p:style>
+          <a:lnRef idx="1">
+            <a:schemeClr val="accent2"/>
+          </a:lnRef>
+          <a:fillRef idx="0">
+            <a:schemeClr val="accent2"/>
+          </a:fillRef>
+          <a:effectRef idx="0">
+            <a:schemeClr val="accent2"/>
+          </a:effectRef>
+          <a:fontRef idx="minor">
+            <a:schemeClr val="tx1"/>
+          </a:fontRef>
+        </p:style>
+      </p:cxnSp>
+      <p:sp>
+        <p:nvSpPr>
+          <p:cNvPr id="45" name="CuadroTexto 44">
+            <a:extLst>
+              <a:ext uri="{FF2B5EF4-FFF2-40B4-BE49-F238E27FC236}">
+                <a16:creationId xmlns:a16="http://schemas.microsoft.com/office/drawing/2014/main" id="{85CA7DAB-9B2A-3F46-A9CA-F2BD1A63BA7A}"/>
               </a:ext>
             </a:extLst>
           </p:cNvPr>
@@ -4683,8 +4965,8 @@
         </p:nvSpPr>
         <p:spPr>
           <a:xfrm>
-            <a:off x="1118821" y="2754708"/>
-            <a:ext cx="2007645" cy="369332"/>
+            <a:off x="6914635" y="3626370"/>
+            <a:ext cx="827921" cy="374924"/>
           </a:xfrm>
           <a:prstGeom prst="rect">
             <a:avLst/>
@@ -4699,17 +4981,59 @@
           <a:p>
             <a:r>
               <a:rPr lang="es-US" dirty="0"/>
-              <a:t>Iridium via Satellite</a:t>
-            </a:r>
-          </a:p>
-        </p:txBody>
-      </p:sp>
-      <p:sp>
-        <p:nvSpPr>
-          <p:cNvPr id="87" name="CuadroTexto 86">
-            <a:extLst>
-              <a:ext uri="{FF2B5EF4-FFF2-40B4-BE49-F238E27FC236}">
-                <a16:creationId xmlns:a16="http://schemas.microsoft.com/office/drawing/2014/main" id="{128ECD0A-7E43-9542-ACC5-29BD92932703}"/>
+              <a:t>Trigger</a:t>
+            </a:r>
+          </a:p>
+        </p:txBody>
+      </p:sp>
+      <p:cxnSp>
+        <p:nvCxnSpPr>
+          <p:cNvPr id="50" name="Conector angular 49">
+            <a:extLst>
+              <a:ext uri="{FF2B5EF4-FFF2-40B4-BE49-F238E27FC236}">
+                <a16:creationId xmlns:a16="http://schemas.microsoft.com/office/drawing/2014/main" id="{5AFAA29E-4393-3F40-865A-B23DAA81E6C5}"/>
+              </a:ext>
+            </a:extLst>
+          </p:cNvPr>
+          <p:cNvCxnSpPr>
+            <a:cxnSpLocks/>
+            <a:endCxn id="39" idx="0"/>
+          </p:cNvCxnSpPr>
+          <p:nvPr/>
+        </p:nvCxnSpPr>
+        <p:spPr>
+          <a:xfrm rot="5400000">
+            <a:off x="4024491" y="3389431"/>
+            <a:ext cx="1567541" cy="1324230"/>
+          </a:xfrm>
+          <a:prstGeom prst="bentConnector3">
+            <a:avLst/>
+          </a:prstGeom>
+          <a:ln>
+            <a:tailEnd type="triangle"/>
+          </a:ln>
+        </p:spPr>
+        <p:style>
+          <a:lnRef idx="1">
+            <a:schemeClr val="accent2"/>
+          </a:lnRef>
+          <a:fillRef idx="0">
+            <a:schemeClr val="accent2"/>
+          </a:fillRef>
+          <a:effectRef idx="0">
+            <a:schemeClr val="accent2"/>
+          </a:effectRef>
+          <a:fontRef idx="minor">
+            <a:schemeClr val="tx1"/>
+          </a:fontRef>
+        </p:style>
+      </p:cxnSp>
+      <p:sp>
+        <p:nvSpPr>
+          <p:cNvPr id="58" name="CuadroTexto 57">
+            <a:extLst>
+              <a:ext uri="{FF2B5EF4-FFF2-40B4-BE49-F238E27FC236}">
+                <a16:creationId xmlns:a16="http://schemas.microsoft.com/office/drawing/2014/main" id="{273F9EDC-C72B-5C49-ADDA-9AB4B25846CD}"/>
               </a:ext>
             </a:extLst>
           </p:cNvPr>
@@ -4718,8 +5042,8 @@
         </p:nvSpPr>
         <p:spPr>
           <a:xfrm>
-            <a:off x="7941968" y="3756357"/>
-            <a:ext cx="1457466" cy="664106"/>
+            <a:off x="3838443" y="3720232"/>
+            <a:ext cx="827921" cy="374924"/>
           </a:xfrm>
           <a:prstGeom prst="rect">
             <a:avLst/>
@@ -4734,77 +5058,7 @@
           <a:p>
             <a:r>
               <a:rPr lang="es-US" dirty="0"/>
-              <a:t>   SFMC API OSU Network</a:t>
-            </a:r>
-          </a:p>
-        </p:txBody>
-      </p:sp>
-      <p:sp>
-        <p:nvSpPr>
-          <p:cNvPr id="88" name="CuadroTexto 87">
-            <a:extLst>
-              <a:ext uri="{FF2B5EF4-FFF2-40B4-BE49-F238E27FC236}">
-                <a16:creationId xmlns:a16="http://schemas.microsoft.com/office/drawing/2014/main" id="{349F0999-0F2C-8C41-BFAE-80952AE0FD31}"/>
-              </a:ext>
-            </a:extLst>
-          </p:cNvPr>
-          <p:cNvSpPr txBox="1"/>
-          <p:nvPr/>
-        </p:nvSpPr>
-        <p:spPr>
-          <a:xfrm>
-            <a:off x="9568563" y="3519845"/>
-            <a:ext cx="2187604" cy="369332"/>
-          </a:xfrm>
-          <a:prstGeom prst="rect">
-            <a:avLst/>
-          </a:prstGeom>
-          <a:noFill/>
-        </p:spPr>
-        <p:txBody>
-          <a:bodyPr wrap="square" rtlCol="0">
-            <a:spAutoFit/>
-          </a:bodyPr>
-          <a:lstStyle/>
-          <a:p>
-            <a:r>
-              <a:rPr lang="es-US" dirty="0"/>
-              <a:t>DirectIP  via Internet</a:t>
-            </a:r>
-          </a:p>
-        </p:txBody>
-      </p:sp>
-      <p:sp>
-        <p:nvSpPr>
-          <p:cNvPr id="90" name="CuadroTexto 89">
-            <a:extLst>
-              <a:ext uri="{FF2B5EF4-FFF2-40B4-BE49-F238E27FC236}">
-                <a16:creationId xmlns:a16="http://schemas.microsoft.com/office/drawing/2014/main" id="{F7BBDFBD-DE37-F743-B9D8-7C2A8A8D2F19}"/>
-              </a:ext>
-            </a:extLst>
-          </p:cNvPr>
-          <p:cNvSpPr txBox="1"/>
-          <p:nvPr/>
-        </p:nvSpPr>
-        <p:spPr>
-          <a:xfrm>
-            <a:off x="9610697" y="2783543"/>
-            <a:ext cx="2187603" cy="369332"/>
-          </a:xfrm>
-          <a:prstGeom prst="rect">
-            <a:avLst/>
-          </a:prstGeom>
-          <a:noFill/>
-        </p:spPr>
-        <p:txBody>
-          <a:bodyPr wrap="square" rtlCol="0">
-            <a:spAutoFit/>
-          </a:bodyPr>
-          <a:lstStyle/>
-          <a:p>
-            <a:r>
-              <a:rPr lang="es-US" dirty="0"/>
-              <a:t>Iridium   via Satellite</a:t>
+              <a:t>Trigger</a:t>
             </a:r>
           </a:p>
         </p:txBody>

--- a/Drifter Follower.pptx
+++ b/Drifter Follower.pptx
@@ -5063,6 +5063,106 @@
           </a:p>
         </p:txBody>
       </p:sp>
+      <p:sp>
+        <p:nvSpPr>
+          <p:cNvPr id="40" name="Elipse 39">
+            <a:extLst>
+              <a:ext uri="{FF2B5EF4-FFF2-40B4-BE49-F238E27FC236}">
+                <a16:creationId xmlns:a16="http://schemas.microsoft.com/office/drawing/2014/main" id="{AA2FE5A5-CDB6-8D4F-978A-6012CDFAA761}"/>
+              </a:ext>
+            </a:extLst>
+          </p:cNvPr>
+          <p:cNvSpPr/>
+          <p:nvPr/>
+        </p:nvSpPr>
+        <p:spPr>
+          <a:xfrm>
+            <a:off x="5316556" y="884087"/>
+            <a:ext cx="1554634" cy="958360"/>
+          </a:xfrm>
+          <a:prstGeom prst="ellipse">
+            <a:avLst/>
+          </a:prstGeom>
+        </p:spPr>
+        <p:style>
+          <a:lnRef idx="2">
+            <a:schemeClr val="accent1">
+              <a:shade val="50000"/>
+            </a:schemeClr>
+          </a:lnRef>
+          <a:fillRef idx="1">
+            <a:schemeClr val="accent1"/>
+          </a:fillRef>
+          <a:effectRef idx="0">
+            <a:schemeClr val="accent1"/>
+          </a:effectRef>
+          <a:fontRef idx="minor">
+            <a:schemeClr val="lt1"/>
+          </a:fontRef>
+        </p:style>
+        <p:txBody>
+          <a:bodyPr rtlCol="0" anchor="ctr"/>
+          <a:lstStyle/>
+          <a:p>
+            <a:pPr algn="ctr"/>
+            <a:r>
+              <a:rPr lang="es-US" dirty="0"/>
+              <a:t>Waypoint SQLite3</a:t>
+            </a:r>
+          </a:p>
+          <a:p>
+            <a:pPr algn="ctr"/>
+            <a:r>
+              <a:rPr lang="es-US" dirty="0"/>
+              <a:t>DB</a:t>
+            </a:r>
+          </a:p>
+        </p:txBody>
+      </p:sp>
+      <p:cxnSp>
+        <p:nvCxnSpPr>
+          <p:cNvPr id="15" name="Conector recto de flecha 14">
+            <a:extLst>
+              <a:ext uri="{FF2B5EF4-FFF2-40B4-BE49-F238E27FC236}">
+                <a16:creationId xmlns:a16="http://schemas.microsoft.com/office/drawing/2014/main" id="{201F6BC1-CB61-C74B-B6A2-C515A195419B}"/>
+              </a:ext>
+            </a:extLst>
+          </p:cNvPr>
+          <p:cNvCxnSpPr>
+            <a:cxnSpLocks/>
+            <a:stCxn id="3" idx="0"/>
+            <a:endCxn id="47" idx="0"/>
+          </p:cNvCxnSpPr>
+          <p:nvPr/>
+        </p:nvCxnSpPr>
+        <p:spPr>
+          <a:xfrm>
+            <a:off x="6096000" y="1825625"/>
+            <a:ext cx="0" cy="309935"/>
+          </a:xfrm>
+          <a:prstGeom prst="straightConnector1">
+            <a:avLst/>
+          </a:prstGeom>
+          <a:ln>
+            <a:headEnd type="triangle"/>
+            <a:tailEnd type="triangle"/>
+          </a:ln>
+        </p:spPr>
+        <p:style>
+          <a:lnRef idx="1">
+            <a:schemeClr val="accent4"/>
+          </a:lnRef>
+          <a:fillRef idx="0">
+            <a:schemeClr val="accent4"/>
+          </a:fillRef>
+          <a:effectRef idx="0">
+            <a:schemeClr val="accent4"/>
+          </a:effectRef>
+          <a:fontRef idx="minor">
+            <a:schemeClr val="tx1"/>
+          </a:fontRef>
+        </p:style>
+      </p:cxnSp>
     </p:spTree>
     <p:extLst>
       <p:ext uri="{BB962C8B-B14F-4D97-AF65-F5344CB8AC3E}">
